--- a/OP.pptx
+++ b/OP.pptx
@@ -1139,7 +1139,7 @@
           </a:ln>
           <a:extLst>
             <a:ext uri="{C572A759-6A51-4108-AA02-DFA0A04FC94B}">
-              <ma14:wrappingTextBoxFlag xmlns="" xmlns:m="http://schemas.openxmlformats.org/officeDocument/2006/math" xmlns:a14="http://schemas.microsoft.com/office/drawing/2010/main" xmlns:ma14="http://schemas.microsoft.com/office/mac/drawingml/2011/main" val="1"/>
+              <ma14:wrappingTextBoxFlag xmlns:ma14="http://schemas.microsoft.com/office/mac/drawingml/2011/main" xmlns:a14="http://schemas.microsoft.com/office/drawing/2010/main" xmlns:m="http://schemas.openxmlformats.org/officeDocument/2006/math" xmlns="" val="1"/>
             </a:ext>
           </a:extLst>
         </p:spPr>
@@ -1176,7 +1176,7 @@
           </a:ln>
           <a:extLst>
             <a:ext uri="{C572A759-6A51-4108-AA02-DFA0A04FC94B}">
-              <ma14:wrappingTextBoxFlag xmlns="" xmlns:m="http://schemas.openxmlformats.org/officeDocument/2006/math" xmlns:a14="http://schemas.microsoft.com/office/drawing/2010/main" xmlns:ma14="http://schemas.microsoft.com/office/mac/drawingml/2011/main" val="1"/>
+              <ma14:wrappingTextBoxFlag xmlns:ma14="http://schemas.microsoft.com/office/mac/drawingml/2011/main" xmlns:a14="http://schemas.microsoft.com/office/drawing/2010/main" xmlns:m="http://schemas.openxmlformats.org/officeDocument/2006/math" xmlns="" val="1"/>
             </a:ext>
           </a:extLst>
         </p:spPr>
@@ -2098,7 +2098,7 @@
           </a:ln>
           <a:extLst>
             <a:ext uri="{C572A759-6A51-4108-AA02-DFA0A04FC94B}">
-              <ma14:wrappingTextBoxFlag xmlns="" xmlns:m="http://schemas.openxmlformats.org/officeDocument/2006/math" xmlns:a14="http://schemas.microsoft.com/office/drawing/2010/main" xmlns:ma14="http://schemas.microsoft.com/office/mac/drawingml/2011/main" val="1"/>
+              <ma14:wrappingTextBoxFlag xmlns:ma14="http://schemas.microsoft.com/office/mac/drawingml/2011/main" xmlns:a14="http://schemas.microsoft.com/office/drawing/2010/main" xmlns:m="http://schemas.openxmlformats.org/officeDocument/2006/math" xmlns="" val="1"/>
             </a:ext>
           </a:extLst>
         </p:spPr>
@@ -2730,7 +2730,7 @@
           </a:ln>
           <a:extLst>
             <a:ext uri="{C572A759-6A51-4108-AA02-DFA0A04FC94B}">
-              <ma14:wrappingTextBoxFlag xmlns="" xmlns:m="http://schemas.openxmlformats.org/officeDocument/2006/math" xmlns:a14="http://schemas.microsoft.com/office/drawing/2010/main" xmlns:ma14="http://schemas.microsoft.com/office/mac/drawingml/2011/main" val="1"/>
+              <ma14:wrappingTextBoxFlag xmlns:ma14="http://schemas.microsoft.com/office/mac/drawingml/2011/main" xmlns:a14="http://schemas.microsoft.com/office/drawing/2010/main" xmlns:m="http://schemas.openxmlformats.org/officeDocument/2006/math" xmlns="" val="1"/>
             </a:ext>
           </a:extLst>
         </p:spPr>
@@ -2780,7 +2780,7 @@
           </a:ln>
           <a:extLst>
             <a:ext uri="{C572A759-6A51-4108-AA02-DFA0A04FC94B}">
-              <ma14:wrappingTextBoxFlag xmlns="" xmlns:m="http://schemas.openxmlformats.org/officeDocument/2006/math" xmlns:a14="http://schemas.microsoft.com/office/drawing/2010/main" xmlns:ma14="http://schemas.microsoft.com/office/mac/drawingml/2011/main" val="1"/>
+              <ma14:wrappingTextBoxFlag xmlns:ma14="http://schemas.microsoft.com/office/mac/drawingml/2011/main" xmlns:a14="http://schemas.microsoft.com/office/drawing/2010/main" xmlns:m="http://schemas.openxmlformats.org/officeDocument/2006/math" xmlns="" val="1"/>
             </a:ext>
           </a:extLst>
         </p:spPr>
@@ -3397,7 +3397,7 @@
           </a:ln>
           <a:extLst>
             <a:ext uri="{C572A759-6A51-4108-AA02-DFA0A04FC94B}">
-              <ma14:wrappingTextBoxFlag xmlns="" xmlns:m="http://schemas.openxmlformats.org/officeDocument/2006/math" xmlns:a14="http://schemas.microsoft.com/office/drawing/2010/main" xmlns:ma14="http://schemas.microsoft.com/office/mac/drawingml/2011/main" val="1"/>
+              <ma14:wrappingTextBoxFlag xmlns:ma14="http://schemas.microsoft.com/office/mac/drawingml/2011/main" xmlns:a14="http://schemas.microsoft.com/office/drawing/2010/main" xmlns:m="http://schemas.openxmlformats.org/officeDocument/2006/math" xmlns="" val="1"/>
             </a:ext>
           </a:extLst>
         </p:spPr>
@@ -3447,7 +3447,7 @@
           </a:ln>
           <a:extLst>
             <a:ext uri="{C572A759-6A51-4108-AA02-DFA0A04FC94B}">
-              <ma14:wrappingTextBoxFlag xmlns="" xmlns:m="http://schemas.openxmlformats.org/officeDocument/2006/math" xmlns:a14="http://schemas.microsoft.com/office/drawing/2010/main" xmlns:ma14="http://schemas.microsoft.com/office/mac/drawingml/2011/main" val="1"/>
+              <ma14:wrappingTextBoxFlag xmlns:ma14="http://schemas.microsoft.com/office/mac/drawingml/2011/main" xmlns:a14="http://schemas.microsoft.com/office/drawing/2010/main" xmlns:m="http://schemas.openxmlformats.org/officeDocument/2006/math" xmlns="" val="1"/>
             </a:ext>
           </a:extLst>
         </p:spPr>
@@ -4121,7 +4121,7 @@
           </a:ln>
           <a:extLst>
             <a:ext uri="{C572A759-6A51-4108-AA02-DFA0A04FC94B}">
-              <ma14:wrappingTextBoxFlag xmlns="" xmlns:m="http://schemas.openxmlformats.org/officeDocument/2006/math" xmlns:a14="http://schemas.microsoft.com/office/drawing/2010/main" xmlns:ma14="http://schemas.microsoft.com/office/mac/drawingml/2011/main" val="1"/>
+              <ma14:wrappingTextBoxFlag xmlns:ma14="http://schemas.microsoft.com/office/mac/drawingml/2011/main" xmlns:a14="http://schemas.microsoft.com/office/drawing/2010/main" xmlns:m="http://schemas.openxmlformats.org/officeDocument/2006/math" xmlns="" val="1"/>
             </a:ext>
           </a:extLst>
         </p:spPr>
@@ -4171,7 +4171,7 @@
           </a:ln>
           <a:extLst>
             <a:ext uri="{C572A759-6A51-4108-AA02-DFA0A04FC94B}">
-              <ma14:wrappingTextBoxFlag xmlns="" xmlns:m="http://schemas.openxmlformats.org/officeDocument/2006/math" xmlns:a14="http://schemas.microsoft.com/office/drawing/2010/main" xmlns:ma14="http://schemas.microsoft.com/office/mac/drawingml/2011/main" val="1"/>
+              <ma14:wrappingTextBoxFlag xmlns:ma14="http://schemas.microsoft.com/office/mac/drawingml/2011/main" xmlns:a14="http://schemas.microsoft.com/office/drawing/2010/main" xmlns:m="http://schemas.openxmlformats.org/officeDocument/2006/math" xmlns="" val="1"/>
             </a:ext>
           </a:extLst>
         </p:spPr>
@@ -4847,7 +4847,7 @@
           </a:ln>
           <a:extLst>
             <a:ext uri="{C572A759-6A51-4108-AA02-DFA0A04FC94B}">
-              <ma14:wrappingTextBoxFlag xmlns="" xmlns:m="http://schemas.openxmlformats.org/officeDocument/2006/math" xmlns:a14="http://schemas.microsoft.com/office/drawing/2010/main" xmlns:ma14="http://schemas.microsoft.com/office/mac/drawingml/2011/main" val="1"/>
+              <ma14:wrappingTextBoxFlag xmlns:ma14="http://schemas.microsoft.com/office/mac/drawingml/2011/main" xmlns:a14="http://schemas.microsoft.com/office/drawing/2010/main" xmlns:m="http://schemas.openxmlformats.org/officeDocument/2006/math" xmlns="" val="1"/>
             </a:ext>
           </a:extLst>
         </p:spPr>
@@ -4897,7 +4897,7 @@
           </a:ln>
           <a:extLst>
             <a:ext uri="{C572A759-6A51-4108-AA02-DFA0A04FC94B}">
-              <ma14:wrappingTextBoxFlag xmlns="" xmlns:m="http://schemas.openxmlformats.org/officeDocument/2006/math" xmlns:a14="http://schemas.microsoft.com/office/drawing/2010/main" xmlns:ma14="http://schemas.microsoft.com/office/mac/drawingml/2011/main" val="1"/>
+              <ma14:wrappingTextBoxFlag xmlns:ma14="http://schemas.microsoft.com/office/mac/drawingml/2011/main" xmlns:a14="http://schemas.microsoft.com/office/drawing/2010/main" xmlns:m="http://schemas.openxmlformats.org/officeDocument/2006/math" xmlns="" val="1"/>
             </a:ext>
           </a:extLst>
         </p:spPr>
@@ -4990,7 +4990,7 @@
           </a:ln>
           <a:extLst>
             <a:ext uri="{C572A759-6A51-4108-AA02-DFA0A04FC94B}">
-              <ma14:wrappingTextBoxFlag xmlns="" xmlns:m="http://schemas.openxmlformats.org/officeDocument/2006/math" xmlns:a14="http://schemas.microsoft.com/office/drawing/2010/main" xmlns:ma14="http://schemas.microsoft.com/office/mac/drawingml/2011/main" val="1"/>
+              <ma14:wrappingTextBoxFlag xmlns:ma14="http://schemas.microsoft.com/office/mac/drawingml/2011/main" xmlns:a14="http://schemas.microsoft.com/office/drawing/2010/main" xmlns:m="http://schemas.openxmlformats.org/officeDocument/2006/math" xmlns="" val="1"/>
             </a:ext>
           </a:extLst>
         </p:spPr>
@@ -5510,7 +5510,7 @@
           </a:ln>
           <a:extLst>
             <a:ext uri="{C572A759-6A51-4108-AA02-DFA0A04FC94B}">
-              <ma14:wrappingTextBoxFlag xmlns="" xmlns:m="http://schemas.openxmlformats.org/officeDocument/2006/math" xmlns:a14="http://schemas.microsoft.com/office/drawing/2010/main" xmlns:ma14="http://schemas.microsoft.com/office/mac/drawingml/2011/main" val="1"/>
+              <ma14:wrappingTextBoxFlag xmlns:ma14="http://schemas.microsoft.com/office/mac/drawingml/2011/main" xmlns:a14="http://schemas.microsoft.com/office/drawing/2010/main" xmlns:m="http://schemas.openxmlformats.org/officeDocument/2006/math" xmlns="" val="1"/>
             </a:ext>
           </a:extLst>
         </p:spPr>
@@ -5560,7 +5560,7 @@
           </a:ln>
           <a:extLst>
             <a:ext uri="{C572A759-6A51-4108-AA02-DFA0A04FC94B}">
-              <ma14:wrappingTextBoxFlag xmlns="" xmlns:m="http://schemas.openxmlformats.org/officeDocument/2006/math" xmlns:a14="http://schemas.microsoft.com/office/drawing/2010/main" xmlns:ma14="http://schemas.microsoft.com/office/mac/drawingml/2011/main" val="1"/>
+              <ma14:wrappingTextBoxFlag xmlns:ma14="http://schemas.microsoft.com/office/mac/drawingml/2011/main" xmlns:a14="http://schemas.microsoft.com/office/drawing/2010/main" xmlns:m="http://schemas.openxmlformats.org/officeDocument/2006/math" xmlns="" val="1"/>
             </a:ext>
           </a:extLst>
         </p:spPr>
@@ -5653,7 +5653,7 @@
           </a:ln>
           <a:extLst>
             <a:ext uri="{C572A759-6A51-4108-AA02-DFA0A04FC94B}">
-              <ma14:wrappingTextBoxFlag xmlns="" xmlns:m="http://schemas.openxmlformats.org/officeDocument/2006/math" xmlns:a14="http://schemas.microsoft.com/office/drawing/2010/main" xmlns:ma14="http://schemas.microsoft.com/office/mac/drawingml/2011/main" val="1"/>
+              <ma14:wrappingTextBoxFlag xmlns:ma14="http://schemas.microsoft.com/office/mac/drawingml/2011/main" xmlns:a14="http://schemas.microsoft.com/office/drawing/2010/main" xmlns:m="http://schemas.openxmlformats.org/officeDocument/2006/math" xmlns="" val="1"/>
             </a:ext>
           </a:extLst>
         </p:spPr>
@@ -6163,7 +6163,7 @@
           </a:ln>
           <a:extLst>
             <a:ext uri="{C572A759-6A51-4108-AA02-DFA0A04FC94B}">
-              <ma14:wrappingTextBoxFlag xmlns="" xmlns:m="http://schemas.openxmlformats.org/officeDocument/2006/math" xmlns:a14="http://schemas.microsoft.com/office/drawing/2010/main" xmlns:ma14="http://schemas.microsoft.com/office/mac/drawingml/2011/main" val="1"/>
+              <ma14:wrappingTextBoxFlag xmlns:ma14="http://schemas.microsoft.com/office/mac/drawingml/2011/main" xmlns:a14="http://schemas.microsoft.com/office/drawing/2010/main" xmlns:m="http://schemas.openxmlformats.org/officeDocument/2006/math" xmlns="" val="1"/>
             </a:ext>
           </a:extLst>
         </p:spPr>
@@ -6213,7 +6213,7 @@
           </a:ln>
           <a:extLst>
             <a:ext uri="{C572A759-6A51-4108-AA02-DFA0A04FC94B}">
-              <ma14:wrappingTextBoxFlag xmlns="" xmlns:m="http://schemas.openxmlformats.org/officeDocument/2006/math" xmlns:a14="http://schemas.microsoft.com/office/drawing/2010/main" xmlns:ma14="http://schemas.microsoft.com/office/mac/drawingml/2011/main" val="1"/>
+              <ma14:wrappingTextBoxFlag xmlns:ma14="http://schemas.microsoft.com/office/mac/drawingml/2011/main" xmlns:a14="http://schemas.microsoft.com/office/drawing/2010/main" xmlns:m="http://schemas.openxmlformats.org/officeDocument/2006/math" xmlns="" val="1"/>
             </a:ext>
           </a:extLst>
         </p:spPr>
@@ -6306,7 +6306,7 @@
           </a:ln>
           <a:extLst>
             <a:ext uri="{C572A759-6A51-4108-AA02-DFA0A04FC94B}">
-              <ma14:wrappingTextBoxFlag xmlns="" xmlns:m="http://schemas.openxmlformats.org/officeDocument/2006/math" xmlns:a14="http://schemas.microsoft.com/office/drawing/2010/main" xmlns:ma14="http://schemas.microsoft.com/office/mac/drawingml/2011/main" val="1"/>
+              <ma14:wrappingTextBoxFlag xmlns:ma14="http://schemas.microsoft.com/office/mac/drawingml/2011/main" xmlns:a14="http://schemas.microsoft.com/office/drawing/2010/main" xmlns:m="http://schemas.openxmlformats.org/officeDocument/2006/math" xmlns="" val="1"/>
             </a:ext>
           </a:extLst>
         </p:spPr>
@@ -6813,7 +6813,7 @@
           </a:ln>
           <a:extLst>
             <a:ext uri="{C572A759-6A51-4108-AA02-DFA0A04FC94B}">
-              <ma14:wrappingTextBoxFlag xmlns="" xmlns:m="http://schemas.openxmlformats.org/officeDocument/2006/math" xmlns:a14="http://schemas.microsoft.com/office/drawing/2010/main" xmlns:ma14="http://schemas.microsoft.com/office/mac/drawingml/2011/main" val="1"/>
+              <ma14:wrappingTextBoxFlag xmlns:ma14="http://schemas.microsoft.com/office/mac/drawingml/2011/main" xmlns:a14="http://schemas.microsoft.com/office/drawing/2010/main" xmlns:m="http://schemas.openxmlformats.org/officeDocument/2006/math" xmlns="" val="1"/>
             </a:ext>
           </a:extLst>
         </p:spPr>
@@ -6863,7 +6863,7 @@
           </a:ln>
           <a:extLst>
             <a:ext uri="{C572A759-6A51-4108-AA02-DFA0A04FC94B}">
-              <ma14:wrappingTextBoxFlag xmlns="" xmlns:m="http://schemas.openxmlformats.org/officeDocument/2006/math" xmlns:a14="http://schemas.microsoft.com/office/drawing/2010/main" xmlns:ma14="http://schemas.microsoft.com/office/mac/drawingml/2011/main" val="1"/>
+              <ma14:wrappingTextBoxFlag xmlns:ma14="http://schemas.microsoft.com/office/mac/drawingml/2011/main" xmlns:a14="http://schemas.microsoft.com/office/drawing/2010/main" xmlns:m="http://schemas.openxmlformats.org/officeDocument/2006/math" xmlns="" val="1"/>
             </a:ext>
           </a:extLst>
         </p:spPr>
@@ -6956,7 +6956,7 @@
           </a:ln>
           <a:extLst>
             <a:ext uri="{C572A759-6A51-4108-AA02-DFA0A04FC94B}">
-              <ma14:wrappingTextBoxFlag xmlns="" xmlns:m="http://schemas.openxmlformats.org/officeDocument/2006/math" xmlns:a14="http://schemas.microsoft.com/office/drawing/2010/main" xmlns:ma14="http://schemas.microsoft.com/office/mac/drawingml/2011/main" val="1"/>
+              <ma14:wrappingTextBoxFlag xmlns:ma14="http://schemas.microsoft.com/office/mac/drawingml/2011/main" xmlns:a14="http://schemas.microsoft.com/office/drawing/2010/main" xmlns:m="http://schemas.openxmlformats.org/officeDocument/2006/math" xmlns="" val="1"/>
             </a:ext>
           </a:extLst>
         </p:spPr>
@@ -7477,7 +7477,7 @@
           </a:ln>
           <a:extLst>
             <a:ext uri="{C572A759-6A51-4108-AA02-DFA0A04FC94B}">
-              <ma14:wrappingTextBoxFlag xmlns="" xmlns:m="http://schemas.openxmlformats.org/officeDocument/2006/math" xmlns:a14="http://schemas.microsoft.com/office/drawing/2010/main" xmlns:ma14="http://schemas.microsoft.com/office/mac/drawingml/2011/main" val="1"/>
+              <ma14:wrappingTextBoxFlag xmlns:ma14="http://schemas.microsoft.com/office/mac/drawingml/2011/main" xmlns:a14="http://schemas.microsoft.com/office/drawing/2010/main" xmlns:m="http://schemas.openxmlformats.org/officeDocument/2006/math" xmlns="" val="1"/>
             </a:ext>
           </a:extLst>
         </p:spPr>
@@ -7527,7 +7527,7 @@
           </a:ln>
           <a:extLst>
             <a:ext uri="{C572A759-6A51-4108-AA02-DFA0A04FC94B}">
-              <ma14:wrappingTextBoxFlag xmlns="" xmlns:m="http://schemas.openxmlformats.org/officeDocument/2006/math" xmlns:a14="http://schemas.microsoft.com/office/drawing/2010/main" xmlns:ma14="http://schemas.microsoft.com/office/mac/drawingml/2011/main" val="1"/>
+              <ma14:wrappingTextBoxFlag xmlns:ma14="http://schemas.microsoft.com/office/mac/drawingml/2011/main" xmlns:a14="http://schemas.microsoft.com/office/drawing/2010/main" xmlns:m="http://schemas.openxmlformats.org/officeDocument/2006/math" xmlns="" val="1"/>
             </a:ext>
           </a:extLst>
         </p:spPr>
@@ -7620,7 +7620,7 @@
           </a:ln>
           <a:extLst>
             <a:ext uri="{C572A759-6A51-4108-AA02-DFA0A04FC94B}">
-              <ma14:wrappingTextBoxFlag xmlns="" xmlns:m="http://schemas.openxmlformats.org/officeDocument/2006/math" xmlns:a14="http://schemas.microsoft.com/office/drawing/2010/main" xmlns:ma14="http://schemas.microsoft.com/office/mac/drawingml/2011/main" val="1"/>
+              <ma14:wrappingTextBoxFlag xmlns:ma14="http://schemas.microsoft.com/office/mac/drawingml/2011/main" xmlns:a14="http://schemas.microsoft.com/office/drawing/2010/main" xmlns:m="http://schemas.openxmlformats.org/officeDocument/2006/math" xmlns="" val="1"/>
             </a:ext>
           </a:extLst>
         </p:spPr>
@@ -8582,7 +8582,7 @@
           </a:ln>
           <a:extLst>
             <a:ext uri="{C572A759-6A51-4108-AA02-DFA0A04FC94B}">
-              <ma14:wrappingTextBoxFlag xmlns="" xmlns:m="http://schemas.openxmlformats.org/officeDocument/2006/math" xmlns:a14="http://schemas.microsoft.com/office/drawing/2010/main" xmlns:ma14="http://schemas.microsoft.com/office/mac/drawingml/2011/main" val="1"/>
+              <ma14:wrappingTextBoxFlag xmlns:ma14="http://schemas.microsoft.com/office/mac/drawingml/2011/main" xmlns:a14="http://schemas.microsoft.com/office/drawing/2010/main" xmlns:m="http://schemas.openxmlformats.org/officeDocument/2006/math" xmlns="" val="1"/>
             </a:ext>
           </a:extLst>
         </p:spPr>
@@ -8976,7 +8976,7 @@
           </a:ln>
           <a:extLst>
             <a:ext uri="{C572A759-6A51-4108-AA02-DFA0A04FC94B}">
-              <ma14:wrappingTextBoxFlag xmlns="" xmlns:m="http://schemas.openxmlformats.org/officeDocument/2006/math" xmlns:a14="http://schemas.microsoft.com/office/drawing/2010/main" xmlns:ma14="http://schemas.microsoft.com/office/mac/drawingml/2011/main" val="1"/>
+              <ma14:wrappingTextBoxFlag xmlns:ma14="http://schemas.microsoft.com/office/mac/drawingml/2011/main" xmlns:a14="http://schemas.microsoft.com/office/drawing/2010/main" xmlns:m="http://schemas.openxmlformats.org/officeDocument/2006/math" xmlns="" val="1"/>
             </a:ext>
           </a:extLst>
         </p:spPr>
@@ -9363,7 +9363,7 @@
           </a:ln>
           <a:extLst>
             <a:ext uri="{C572A759-6A51-4108-AA02-DFA0A04FC94B}">
-              <ma14:wrappingTextBoxFlag xmlns="" xmlns:m="http://schemas.openxmlformats.org/officeDocument/2006/math" xmlns:a14="http://schemas.microsoft.com/office/drawing/2010/main" xmlns:ma14="http://schemas.microsoft.com/office/mac/drawingml/2011/main" val="1"/>
+              <ma14:wrappingTextBoxFlag xmlns:ma14="http://schemas.microsoft.com/office/mac/drawingml/2011/main" xmlns:a14="http://schemas.microsoft.com/office/drawing/2010/main" xmlns:m="http://schemas.openxmlformats.org/officeDocument/2006/math" xmlns="" val="1"/>
             </a:ext>
           </a:extLst>
         </p:spPr>
@@ -9410,7 +9410,7 @@
           </a:ln>
           <a:extLst>
             <a:ext uri="{C572A759-6A51-4108-AA02-DFA0A04FC94B}">
-              <ma14:wrappingTextBoxFlag xmlns="" xmlns:m="http://schemas.openxmlformats.org/officeDocument/2006/math" xmlns:a14="http://schemas.microsoft.com/office/drawing/2010/main" xmlns:ma14="http://schemas.microsoft.com/office/mac/drawingml/2011/main" val="1"/>
+              <ma14:wrappingTextBoxFlag xmlns:ma14="http://schemas.microsoft.com/office/mac/drawingml/2011/main" xmlns:a14="http://schemas.microsoft.com/office/drawing/2010/main" xmlns:m="http://schemas.openxmlformats.org/officeDocument/2006/math" xmlns="" val="1"/>
             </a:ext>
           </a:extLst>
         </p:spPr>
@@ -9768,7 +9768,7 @@
           </a:ln>
           <a:extLst>
             <a:ext uri="{C572A759-6A51-4108-AA02-DFA0A04FC94B}">
-              <ma14:wrappingTextBoxFlag xmlns="" xmlns:m="http://schemas.openxmlformats.org/officeDocument/2006/math" xmlns:a14="http://schemas.microsoft.com/office/drawing/2010/main" xmlns:ma14="http://schemas.microsoft.com/office/mac/drawingml/2011/main" val="1"/>
+              <ma14:wrappingTextBoxFlag xmlns:ma14="http://schemas.microsoft.com/office/mac/drawingml/2011/main" xmlns:a14="http://schemas.microsoft.com/office/drawing/2010/main" xmlns:m="http://schemas.openxmlformats.org/officeDocument/2006/math" xmlns="" val="1"/>
             </a:ext>
           </a:extLst>
         </p:spPr>
@@ -9816,7 +9816,7 @@
           </a:ln>
           <a:extLst>
             <a:ext uri="{C572A759-6A51-4108-AA02-DFA0A04FC94B}">
-              <ma14:wrappingTextBoxFlag xmlns="" xmlns:m="http://schemas.openxmlformats.org/officeDocument/2006/math" xmlns:a14="http://schemas.microsoft.com/office/drawing/2010/main" xmlns:ma14="http://schemas.microsoft.com/office/mac/drawingml/2011/main" val="1"/>
+              <ma14:wrappingTextBoxFlag xmlns:ma14="http://schemas.microsoft.com/office/mac/drawingml/2011/main" xmlns:a14="http://schemas.microsoft.com/office/drawing/2010/main" xmlns:m="http://schemas.openxmlformats.org/officeDocument/2006/math" xmlns="" val="1"/>
             </a:ext>
           </a:extLst>
         </p:spPr>
@@ -10279,7 +10279,7 @@
           </a:ln>
           <a:extLst>
             <a:ext uri="{C572A759-6A51-4108-AA02-DFA0A04FC94B}">
-              <ma14:wrappingTextBoxFlag xmlns="" xmlns:m="http://schemas.openxmlformats.org/officeDocument/2006/math" xmlns:a14="http://schemas.microsoft.com/office/drawing/2010/main" xmlns:ma14="http://schemas.microsoft.com/office/mac/drawingml/2011/main" val="1"/>
+              <ma14:wrappingTextBoxFlag xmlns:ma14="http://schemas.microsoft.com/office/mac/drawingml/2011/main" xmlns:a14="http://schemas.microsoft.com/office/drawing/2010/main" xmlns:m="http://schemas.openxmlformats.org/officeDocument/2006/math" xmlns="" val="1"/>
             </a:ext>
           </a:extLst>
         </p:spPr>
@@ -10338,7 +10338,7 @@
           </a:ln>
           <a:extLst>
             <a:ext uri="{C572A759-6A51-4108-AA02-DFA0A04FC94B}">
-              <ma14:wrappingTextBoxFlag xmlns="" xmlns:m="http://schemas.openxmlformats.org/officeDocument/2006/math" xmlns:a14="http://schemas.microsoft.com/office/drawing/2010/main" xmlns:ma14="http://schemas.microsoft.com/office/mac/drawingml/2011/main" val="1"/>
+              <ma14:wrappingTextBoxFlag xmlns:ma14="http://schemas.microsoft.com/office/mac/drawingml/2011/main" xmlns:a14="http://schemas.microsoft.com/office/drawing/2010/main" xmlns:m="http://schemas.openxmlformats.org/officeDocument/2006/math" xmlns="" val="1"/>
             </a:ext>
           </a:extLst>
         </p:spPr>
@@ -10709,7 +10709,7 @@
           </a:ln>
           <a:extLst>
             <a:ext uri="{C572A759-6A51-4108-AA02-DFA0A04FC94B}">
-              <ma14:wrappingTextBoxFlag xmlns="" xmlns:m="http://schemas.openxmlformats.org/officeDocument/2006/math" xmlns:a14="http://schemas.microsoft.com/office/drawing/2010/main" xmlns:ma14="http://schemas.microsoft.com/office/mac/drawingml/2011/main" val="1"/>
+              <ma14:wrappingTextBoxFlag xmlns:ma14="http://schemas.microsoft.com/office/mac/drawingml/2011/main" xmlns:a14="http://schemas.microsoft.com/office/drawing/2010/main" xmlns:m="http://schemas.openxmlformats.org/officeDocument/2006/math" xmlns="" val="1"/>
             </a:ext>
           </a:extLst>
         </p:spPr>
@@ -10768,7 +10768,7 @@
           </a:ln>
           <a:extLst>
             <a:ext uri="{C572A759-6A51-4108-AA02-DFA0A04FC94B}">
-              <ma14:wrappingTextBoxFlag xmlns="" xmlns:m="http://schemas.openxmlformats.org/officeDocument/2006/math" xmlns:a14="http://schemas.microsoft.com/office/drawing/2010/main" xmlns:ma14="http://schemas.microsoft.com/office/mac/drawingml/2011/main" val="1"/>
+              <ma14:wrappingTextBoxFlag xmlns:ma14="http://schemas.microsoft.com/office/mac/drawingml/2011/main" xmlns:a14="http://schemas.microsoft.com/office/drawing/2010/main" xmlns:m="http://schemas.openxmlformats.org/officeDocument/2006/math" xmlns="" val="1"/>
             </a:ext>
           </a:extLst>
         </p:spPr>
@@ -11952,10 +11952,10 @@
       </p:sp>
       <p:sp>
         <p:nvSpPr>
-          <p:cNvPr id="2" name="Прямоугольник 1">
+          <p:cNvPr id="4" name="Прямоугольник 3">
             <a:extLst>
               <a:ext uri="{FF2B5EF4-FFF2-40B4-BE49-F238E27FC236}">
-                <a16:creationId xmlns:a16="http://schemas.microsoft.com/office/drawing/2014/main" id="{E6E84B46-FB9F-4791-A4A6-A0CF1FFD4CF4}"/>
+                <a16:creationId xmlns:a16="http://schemas.microsoft.com/office/drawing/2014/main" id="{45436EEE-ECBE-40F9-AF9F-BEE57E4F6560}"/>
               </a:ext>
             </a:extLst>
           </p:cNvPr>
@@ -11964,8 +11964,42 @@
         </p:nvSpPr>
         <p:spPr>
           <a:xfrm>
-            <a:off x="1066800" y="770662"/>
-            <a:ext cx="7038975" cy="1754326"/>
+            <a:off x="1613108" y="1210360"/>
+            <a:ext cx="6096000" cy="646331"/>
+          </a:xfrm>
+          <a:prstGeom prst="rect">
+            <a:avLst/>
+          </a:prstGeom>
+        </p:spPr>
+        <p:txBody>
+          <a:bodyPr>
+            <a:spAutoFit/>
+          </a:bodyPr>
+          <a:lstStyle/>
+          <a:p>
+            <a:r>
+              <a:rPr lang="en-US" dirty="0"/>
+              <a:t>I have done all projects since the first year exclusively alone, even in cases when the teacher insisted on teamwork.</a:t>
+            </a:r>
+          </a:p>
+        </p:txBody>
+      </p:sp>
+      <p:sp>
+        <p:nvSpPr>
+          <p:cNvPr id="5" name="Прямоугольник 4">
+            <a:extLst>
+              <a:ext uri="{FF2B5EF4-FFF2-40B4-BE49-F238E27FC236}">
+                <a16:creationId xmlns:a16="http://schemas.microsoft.com/office/drawing/2014/main" id="{9B21551C-4919-4369-919D-F9543206F9EB}"/>
+              </a:ext>
+            </a:extLst>
+          </p:cNvPr>
+          <p:cNvSpPr/>
+          <p:nvPr/>
+        </p:nvSpPr>
+        <p:spPr>
+          <a:xfrm>
+            <a:off x="1613108" y="2157710"/>
+            <a:ext cx="5800725" cy="923330"/>
           </a:xfrm>
           <a:prstGeom prst="rect">
             <a:avLst/>
@@ -11979,41 +12013,7 @@
           <a:p>
             <a:r>
               <a:rPr lang="en-US" dirty="0"/>
-              <a:t>The list function lists the contents of the current directory, and the cd function changes the current working directory to the specified directory. If the specified directory does not exist, the program prompts the user to create the directory. The back function changes the current working directory to the parent directory. The exit function terminates the program.</a:t>
-            </a:r>
-          </a:p>
-        </p:txBody>
-      </p:sp>
-      <p:sp>
-        <p:nvSpPr>
-          <p:cNvPr id="7" name="Прямоугольник 6">
-            <a:extLst>
-              <a:ext uri="{FF2B5EF4-FFF2-40B4-BE49-F238E27FC236}">
-                <a16:creationId xmlns:a16="http://schemas.microsoft.com/office/drawing/2014/main" id="{CE6125C1-07E8-4464-8475-5D95B5EAE774}"/>
-              </a:ext>
-            </a:extLst>
-          </p:cNvPr>
-          <p:cNvSpPr/>
-          <p:nvPr/>
-        </p:nvSpPr>
-        <p:spPr>
-          <a:xfrm>
-            <a:off x="1066799" y="2814935"/>
-            <a:ext cx="7172325" cy="646331"/>
-          </a:xfrm>
-          <a:prstGeom prst="rect">
-            <a:avLst/>
-          </a:prstGeom>
-        </p:spPr>
-        <p:txBody>
-          <a:bodyPr wrap="square">
-            <a:spAutoFit/>
-          </a:bodyPr>
-          <a:lstStyle/>
-          <a:p>
-            <a:r>
-              <a:rPr lang="en-US" dirty="0"/>
-              <a:t>Overall, this program provides a useful set of file system manipulation commands that can be run from the command line.</a:t>
+              <a:t>Thanks to the project, I was able to thoroughly study this topic. Despite the fact that I have been working in the IT sphere for a long time, I have learned new things for myself</a:t>
             </a:r>
           </a:p>
         </p:txBody>
@@ -13397,7 +13397,7 @@
           </a:ln>
           <a:extLst>
             <a:ext uri="{C572A759-6A51-4108-AA02-DFA0A04FC94B}">
-              <ma14:wrappingTextBoxFlag xmlns="" xmlns:m="http://schemas.openxmlformats.org/officeDocument/2006/math" xmlns:a14="http://schemas.microsoft.com/office/drawing/2010/main" xmlns:ma14="http://schemas.microsoft.com/office/mac/drawingml/2011/main" val="1"/>
+              <ma14:wrappingTextBoxFlag xmlns:ma14="http://schemas.microsoft.com/office/mac/drawingml/2011/main" xmlns:a14="http://schemas.microsoft.com/office/drawing/2010/main" xmlns:m="http://schemas.openxmlformats.org/officeDocument/2006/math" xmlns="" val="1"/>
             </a:ext>
           </a:extLst>
         </p:spPr>
@@ -13448,7 +13448,7 @@
           </a:ln>
           <a:extLst>
             <a:ext uri="{C572A759-6A51-4108-AA02-DFA0A04FC94B}">
-              <ma14:wrappingTextBoxFlag xmlns="" xmlns:m="http://schemas.openxmlformats.org/officeDocument/2006/math" xmlns:a14="http://schemas.microsoft.com/office/drawing/2010/main" xmlns:ma14="http://schemas.microsoft.com/office/mac/drawingml/2011/main" val="1"/>
+              <ma14:wrappingTextBoxFlag xmlns:ma14="http://schemas.microsoft.com/office/mac/drawingml/2011/main" xmlns:a14="http://schemas.microsoft.com/office/drawing/2010/main" xmlns:m="http://schemas.openxmlformats.org/officeDocument/2006/math" xmlns="" val="1"/>
             </a:ext>
           </a:extLst>
         </p:spPr>
@@ -13541,7 +13541,7 @@
           </a:ln>
           <a:extLst>
             <a:ext uri="{C572A759-6A51-4108-AA02-DFA0A04FC94B}">
-              <ma14:wrappingTextBoxFlag xmlns="" xmlns:m="http://schemas.openxmlformats.org/officeDocument/2006/math" xmlns:a14="http://schemas.microsoft.com/office/drawing/2010/main" xmlns:ma14="http://schemas.microsoft.com/office/mac/drawingml/2011/main" val="1"/>
+              <ma14:wrappingTextBoxFlag xmlns:ma14="http://schemas.microsoft.com/office/mac/drawingml/2011/main" xmlns:a14="http://schemas.microsoft.com/office/drawing/2010/main" xmlns:m="http://schemas.openxmlformats.org/officeDocument/2006/math" xmlns="" val="1"/>
             </a:ext>
           </a:extLst>
         </p:spPr>
@@ -14069,7 +14069,7 @@
           </a:ln>
           <a:extLst>
             <a:ext uri="{C572A759-6A51-4108-AA02-DFA0A04FC94B}">
-              <ma14:wrappingTextBoxFlag xmlns="" xmlns:m="http://schemas.openxmlformats.org/officeDocument/2006/math" xmlns:a14="http://schemas.microsoft.com/office/drawing/2010/main" xmlns:ma14="http://schemas.microsoft.com/office/mac/drawingml/2011/main" val="1"/>
+              <ma14:wrappingTextBoxFlag xmlns:ma14="http://schemas.microsoft.com/office/mac/drawingml/2011/main" xmlns:a14="http://schemas.microsoft.com/office/drawing/2010/main" xmlns:m="http://schemas.openxmlformats.org/officeDocument/2006/math" xmlns="" val="1"/>
             </a:ext>
           </a:extLst>
         </p:spPr>
@@ -14343,7 +14343,7 @@
           </a:ln>
           <a:extLst>
             <a:ext uri="{C572A759-6A51-4108-AA02-DFA0A04FC94B}">
-              <ma14:wrappingTextBoxFlag xmlns="" xmlns:m="http://schemas.openxmlformats.org/officeDocument/2006/math" xmlns:a14="http://schemas.microsoft.com/office/drawing/2010/main" xmlns:ma14="http://schemas.microsoft.com/office/mac/drawingml/2011/main" val="1"/>
+              <ma14:wrappingTextBoxFlag xmlns:ma14="http://schemas.microsoft.com/office/mac/drawingml/2011/main" xmlns:a14="http://schemas.microsoft.com/office/drawing/2010/main" xmlns:m="http://schemas.openxmlformats.org/officeDocument/2006/math" xmlns="" val="1"/>
             </a:ext>
           </a:extLst>
         </p:spPr>
@@ -14978,7 +14978,7 @@
           </a:ln>
           <a:extLst>
             <a:ext uri="{C572A759-6A51-4108-AA02-DFA0A04FC94B}">
-              <ma14:wrappingTextBoxFlag xmlns="" xmlns:m="http://schemas.openxmlformats.org/officeDocument/2006/math" xmlns:a14="http://schemas.microsoft.com/office/drawing/2010/main" xmlns:ma14="http://schemas.microsoft.com/office/mac/drawingml/2011/main" val="1"/>
+              <ma14:wrappingTextBoxFlag xmlns:ma14="http://schemas.microsoft.com/office/mac/drawingml/2011/main" xmlns:a14="http://schemas.microsoft.com/office/drawing/2010/main" xmlns:m="http://schemas.openxmlformats.org/officeDocument/2006/math" xmlns="" val="1"/>
             </a:ext>
           </a:extLst>
         </p:spPr>
@@ -15109,7 +15109,7 @@
           </a:ln>
           <a:extLst>
             <a:ext uri="{C572A759-6A51-4108-AA02-DFA0A04FC94B}">
-              <ma14:wrappingTextBoxFlag xmlns="" xmlns:m="http://schemas.openxmlformats.org/officeDocument/2006/math" xmlns:a14="http://schemas.microsoft.com/office/drawing/2010/main" xmlns:ma14="http://schemas.microsoft.com/office/mac/drawingml/2011/main" val="1"/>
+              <ma14:wrappingTextBoxFlag xmlns:ma14="http://schemas.microsoft.com/office/mac/drawingml/2011/main" xmlns:a14="http://schemas.microsoft.com/office/drawing/2010/main" xmlns:m="http://schemas.openxmlformats.org/officeDocument/2006/math" xmlns="" val="1"/>
             </a:ext>
           </a:extLst>
         </p:spPr>
@@ -15838,7 +15838,7 @@
           </a:ln>
           <a:extLst>
             <a:ext uri="{C572A759-6A51-4108-AA02-DFA0A04FC94B}">
-              <ma14:wrappingTextBoxFlag xmlns="" xmlns:m="http://schemas.openxmlformats.org/officeDocument/2006/math" xmlns:a14="http://schemas.microsoft.com/office/drawing/2010/main" xmlns:ma14="http://schemas.microsoft.com/office/mac/drawingml/2011/main" val="1"/>
+              <ma14:wrappingTextBoxFlag xmlns:ma14="http://schemas.microsoft.com/office/mac/drawingml/2011/main" xmlns:a14="http://schemas.microsoft.com/office/drawing/2010/main" xmlns:m="http://schemas.openxmlformats.org/officeDocument/2006/math" xmlns="" val="1"/>
             </a:ext>
           </a:extLst>
         </p:spPr>
@@ -15889,7 +15889,7 @@
           </a:ln>
           <a:extLst>
             <a:ext uri="{C572A759-6A51-4108-AA02-DFA0A04FC94B}">
-              <ma14:wrappingTextBoxFlag xmlns="" xmlns:m="http://schemas.openxmlformats.org/officeDocument/2006/math" xmlns:a14="http://schemas.microsoft.com/office/drawing/2010/main" xmlns:ma14="http://schemas.microsoft.com/office/mac/drawingml/2011/main" val="1"/>
+              <ma14:wrappingTextBoxFlag xmlns:ma14="http://schemas.microsoft.com/office/mac/drawingml/2011/main" xmlns:a14="http://schemas.microsoft.com/office/drawing/2010/main" xmlns:m="http://schemas.openxmlformats.org/officeDocument/2006/math" xmlns="" val="1"/>
             </a:ext>
           </a:extLst>
         </p:spPr>
@@ -16613,7 +16613,7 @@
           </a:ln>
           <a:extLst>
             <a:ext uri="{C572A759-6A51-4108-AA02-DFA0A04FC94B}">
-              <ma14:wrappingTextBoxFlag xmlns="" xmlns:m="http://schemas.openxmlformats.org/officeDocument/2006/math" xmlns:a14="http://schemas.microsoft.com/office/drawing/2010/main" xmlns:ma14="http://schemas.microsoft.com/office/mac/drawingml/2011/main" val="1"/>
+              <ma14:wrappingTextBoxFlag xmlns:ma14="http://schemas.microsoft.com/office/mac/drawingml/2011/main" xmlns:a14="http://schemas.microsoft.com/office/drawing/2010/main" xmlns:m="http://schemas.openxmlformats.org/officeDocument/2006/math" xmlns="" val="1"/>
             </a:ext>
           </a:extLst>
         </p:spPr>
@@ -16664,7 +16664,7 @@
           </a:ln>
           <a:extLst>
             <a:ext uri="{C572A759-6A51-4108-AA02-DFA0A04FC94B}">
-              <ma14:wrappingTextBoxFlag xmlns="" xmlns:m="http://schemas.openxmlformats.org/officeDocument/2006/math" xmlns:a14="http://schemas.microsoft.com/office/drawing/2010/main" xmlns:ma14="http://schemas.microsoft.com/office/mac/drawingml/2011/main" val="1"/>
+              <ma14:wrappingTextBoxFlag xmlns:ma14="http://schemas.microsoft.com/office/mac/drawingml/2011/main" xmlns:a14="http://schemas.microsoft.com/office/drawing/2010/main" xmlns:m="http://schemas.openxmlformats.org/officeDocument/2006/math" xmlns="" val="1"/>
             </a:ext>
           </a:extLst>
         </p:spPr>
@@ -17393,7 +17393,7 @@
           </a:ln>
           <a:extLst>
             <a:ext uri="{C572A759-6A51-4108-AA02-DFA0A04FC94B}">
-              <ma14:wrappingTextBoxFlag xmlns="" xmlns:m="http://schemas.openxmlformats.org/officeDocument/2006/math" xmlns:a14="http://schemas.microsoft.com/office/drawing/2010/main" xmlns:ma14="http://schemas.microsoft.com/office/mac/drawingml/2011/main" val="1"/>
+              <ma14:wrappingTextBoxFlag xmlns:ma14="http://schemas.microsoft.com/office/mac/drawingml/2011/main" xmlns:a14="http://schemas.microsoft.com/office/drawing/2010/main" xmlns:m="http://schemas.openxmlformats.org/officeDocument/2006/math" xmlns="" val="1"/>
             </a:ext>
           </a:extLst>
         </p:spPr>
@@ -17464,7 +17464,7 @@
           </a:ln>
           <a:extLst>
             <a:ext uri="{C572A759-6A51-4108-AA02-DFA0A04FC94B}">
-              <ma14:wrappingTextBoxFlag xmlns="" xmlns:m="http://schemas.openxmlformats.org/officeDocument/2006/math" xmlns:a14="http://schemas.microsoft.com/office/drawing/2010/main" xmlns:ma14="http://schemas.microsoft.com/office/mac/drawingml/2011/main" val="1"/>
+              <ma14:wrappingTextBoxFlag xmlns:ma14="http://schemas.microsoft.com/office/mac/drawingml/2011/main" xmlns:a14="http://schemas.microsoft.com/office/drawing/2010/main" xmlns:m="http://schemas.openxmlformats.org/officeDocument/2006/math" xmlns="" val="1"/>
             </a:ext>
           </a:extLst>
         </p:spPr>
@@ -18193,7 +18193,7 @@
           </a:ln>
           <a:extLst>
             <a:ext uri="{C572A759-6A51-4108-AA02-DFA0A04FC94B}">
-              <ma14:wrappingTextBoxFlag xmlns="" xmlns:m="http://schemas.openxmlformats.org/officeDocument/2006/math" xmlns:a14="http://schemas.microsoft.com/office/drawing/2010/main" xmlns:ma14="http://schemas.microsoft.com/office/mac/drawingml/2011/main" val="1"/>
+              <ma14:wrappingTextBoxFlag xmlns:ma14="http://schemas.microsoft.com/office/mac/drawingml/2011/main" xmlns:a14="http://schemas.microsoft.com/office/drawing/2010/main" xmlns:m="http://schemas.openxmlformats.org/officeDocument/2006/math" xmlns="" val="1"/>
             </a:ext>
           </a:extLst>
         </p:spPr>
@@ -18243,7 +18243,7 @@
           </a:ln>
           <a:extLst>
             <a:ext uri="{C572A759-6A51-4108-AA02-DFA0A04FC94B}">
-              <ma14:wrappingTextBoxFlag xmlns="" xmlns:m="http://schemas.openxmlformats.org/officeDocument/2006/math" xmlns:a14="http://schemas.microsoft.com/office/drawing/2010/main" xmlns:ma14="http://schemas.microsoft.com/office/mac/drawingml/2011/main" val="1"/>
+              <ma14:wrappingTextBoxFlag xmlns:ma14="http://schemas.microsoft.com/office/mac/drawingml/2011/main" xmlns:a14="http://schemas.microsoft.com/office/drawing/2010/main" xmlns:m="http://schemas.openxmlformats.org/officeDocument/2006/math" xmlns="" val="1"/>
             </a:ext>
           </a:extLst>
         </p:spPr>
@@ -18331,7 +18331,7 @@
           </a:ln>
           <a:extLst>
             <a:ext uri="{C572A759-6A51-4108-AA02-DFA0A04FC94B}">
-              <ma14:wrappingTextBoxFlag xmlns="" xmlns:m="http://schemas.openxmlformats.org/officeDocument/2006/math" xmlns:a14="http://schemas.microsoft.com/office/drawing/2010/main" xmlns:ma14="http://schemas.microsoft.com/office/mac/drawingml/2011/main" val="1"/>
+              <ma14:wrappingTextBoxFlag xmlns:ma14="http://schemas.microsoft.com/office/mac/drawingml/2011/main" xmlns:a14="http://schemas.microsoft.com/office/drawing/2010/main" xmlns:m="http://schemas.openxmlformats.org/officeDocument/2006/math" xmlns="" val="1"/>
             </a:ext>
           </a:extLst>
         </p:spPr>
